--- a/lecture 4/Lecture 4 - Mobile Application Development.pptx
+++ b/lecture 4/Lecture 4 - Mobile Application Development.pptx
@@ -5,7 +5,7 @@
     <p:sldMasterId id="2147483677" r:id="rId1"/>
   </p:sldMasterIdLst>
   <p:notesMasterIdLst>
-    <p:notesMasterId r:id="rId17"/>
+    <p:notesMasterId r:id="rId16"/>
   </p:notesMasterIdLst>
   <p:sldIdLst>
     <p:sldId id="256" r:id="rId2"/>
@@ -15,14 +15,13 @@
     <p:sldId id="290" r:id="rId6"/>
     <p:sldId id="291" r:id="rId7"/>
     <p:sldId id="293" r:id="rId8"/>
-    <p:sldId id="294" r:id="rId9"/>
-    <p:sldId id="295" r:id="rId10"/>
-    <p:sldId id="296" r:id="rId11"/>
-    <p:sldId id="297" r:id="rId12"/>
-    <p:sldId id="298" r:id="rId13"/>
-    <p:sldId id="267" r:id="rId14"/>
-    <p:sldId id="299" r:id="rId15"/>
-    <p:sldId id="300" r:id="rId16"/>
+    <p:sldId id="295" r:id="rId9"/>
+    <p:sldId id="296" r:id="rId10"/>
+    <p:sldId id="297" r:id="rId11"/>
+    <p:sldId id="298" r:id="rId12"/>
+    <p:sldId id="267" r:id="rId13"/>
+    <p:sldId id="299" r:id="rId14"/>
+    <p:sldId id="300" r:id="rId15"/>
   </p:sldIdLst>
   <p:sldSz cx="12192000" cy="6858000"/>
   <p:notesSz cx="6858000" cy="9144000"/>
@@ -211,7 +210,7 @@
           <a:p>
             <a:fld id="{A3C2A6A4-4365-4DD8-8CB7-3A4F849F3EAA}" type="datetimeFigureOut">
               <a:rPr lang="en-GB" smtClean="0"/>
-              <a:t>15/09/2019</a:t>
+              <a:t>17/09/2019</a:t>
             </a:fld>
             <a:endParaRPr lang="en-GB"/>
           </a:p>
@@ -801,7 +800,7 @@
           <a:p>
             <a:fld id="{B5906FF8-4769-4691-A860-171D2AFB3E65}" type="datetimeFigureOut">
               <a:rPr lang="en-GB" smtClean="0"/>
-              <a:t>15/09/2019</a:t>
+              <a:t>17/09/2019</a:t>
             </a:fld>
             <a:endParaRPr lang="en-GB"/>
           </a:p>
@@ -1009,7 +1008,7 @@
           <a:p>
             <a:fld id="{B5906FF8-4769-4691-A860-171D2AFB3E65}" type="datetimeFigureOut">
               <a:rPr lang="en-GB" smtClean="0"/>
-              <a:t>15/09/2019</a:t>
+              <a:t>17/09/2019</a:t>
             </a:fld>
             <a:endParaRPr lang="en-GB"/>
           </a:p>
@@ -1265,7 +1264,7 @@
           <a:p>
             <a:fld id="{B5906FF8-4769-4691-A860-171D2AFB3E65}" type="datetimeFigureOut">
               <a:rPr lang="en-GB" smtClean="0"/>
-              <a:t>15/09/2019</a:t>
+              <a:t>17/09/2019</a:t>
             </a:fld>
             <a:endParaRPr lang="en-GB"/>
           </a:p>
@@ -1439,7 +1438,7 @@
           <a:p>
             <a:fld id="{B5906FF8-4769-4691-A860-171D2AFB3E65}" type="datetimeFigureOut">
               <a:rPr lang="en-GB" smtClean="0"/>
-              <a:t>15/09/2019</a:t>
+              <a:t>17/09/2019</a:t>
             </a:fld>
             <a:endParaRPr lang="en-GB"/>
           </a:p>
@@ -1782,7 +1781,7 @@
           <a:p>
             <a:fld id="{B5906FF8-4769-4691-A860-171D2AFB3E65}" type="datetimeFigureOut">
               <a:rPr lang="en-GB" smtClean="0"/>
-              <a:t>15/09/2019</a:t>
+              <a:t>17/09/2019</a:t>
             </a:fld>
             <a:endParaRPr lang="en-GB"/>
           </a:p>
@@ -2057,7 +2056,7 @@
           <a:p>
             <a:fld id="{B5906FF8-4769-4691-A860-171D2AFB3E65}" type="datetimeFigureOut">
               <a:rPr lang="en-GB" smtClean="0"/>
-              <a:t>15/09/2019</a:t>
+              <a:t>17/09/2019</a:t>
             </a:fld>
             <a:endParaRPr lang="en-GB"/>
           </a:p>
@@ -2436,7 +2435,7 @@
           <a:p>
             <a:fld id="{B5906FF8-4769-4691-A860-171D2AFB3E65}" type="datetimeFigureOut">
               <a:rPr lang="en-GB" smtClean="0"/>
-              <a:t>15/09/2019</a:t>
+              <a:t>17/09/2019</a:t>
             </a:fld>
             <a:endParaRPr lang="en-GB"/>
           </a:p>
@@ -2554,7 +2553,7 @@
           <a:p>
             <a:fld id="{B5906FF8-4769-4691-A860-171D2AFB3E65}" type="datetimeFigureOut">
               <a:rPr lang="en-GB" smtClean="0"/>
-              <a:t>15/09/2019</a:t>
+              <a:t>17/09/2019</a:t>
             </a:fld>
             <a:endParaRPr lang="en-GB"/>
           </a:p>
@@ -2725,7 +2724,7 @@
           <a:p>
             <a:fld id="{B5906FF8-4769-4691-A860-171D2AFB3E65}" type="datetimeFigureOut">
               <a:rPr lang="en-GB" smtClean="0"/>
-              <a:t>15/09/2019</a:t>
+              <a:t>17/09/2019</a:t>
             </a:fld>
             <a:endParaRPr lang="en-GB"/>
           </a:p>
@@ -3079,7 +3078,7 @@
           <a:p>
             <a:fld id="{B5906FF8-4769-4691-A860-171D2AFB3E65}" type="datetimeFigureOut">
               <a:rPr lang="en-GB" smtClean="0"/>
-              <a:t>15/09/2019</a:t>
+              <a:t>17/09/2019</a:t>
             </a:fld>
             <a:endParaRPr lang="en-GB"/>
           </a:p>
@@ -3461,7 +3460,7 @@
           <a:p>
             <a:fld id="{B5906FF8-4769-4691-A860-171D2AFB3E65}" type="datetimeFigureOut">
               <a:rPr lang="en-GB" smtClean="0"/>
-              <a:t>15/09/2019</a:t>
+              <a:t>17/09/2019</a:t>
             </a:fld>
             <a:endParaRPr lang="en-GB"/>
           </a:p>
@@ -3748,7 +3747,7 @@
           <a:p>
             <a:fld id="{B5906FF8-4769-4691-A860-171D2AFB3E65}" type="datetimeFigureOut">
               <a:rPr lang="en-GB" smtClean="0"/>
-              <a:t>15/09/2019</a:t>
+              <a:t>17/09/2019</a:t>
             </a:fld>
             <a:endParaRPr lang="en-GB"/>
           </a:p>
@@ -4421,36 +4420,34 @@
           <a:lstStyle/>
           <a:p>
             <a:r>
-              <a:rPr lang="en-GB" b="1" dirty="0" smtClean="0"/>
-              <a:t>Node_modules</a:t>
+              <a:rPr lang="en-GB" b="1" dirty="0"/>
+              <a:t>Environment folder</a:t>
             </a:r>
             <a:endParaRPr lang="en-GB" dirty="0"/>
           </a:p>
           <a:p>
             <a:r>
               <a:rPr lang="en-GB" dirty="0" smtClean="0"/>
-              <a:t>Contains all the modules / packages your app needs to run. These packages are defined in package.json</a:t>
+              <a:t>Multiple environment configurations for your angular app. </a:t>
             </a:r>
           </a:p>
           <a:p>
             <a:endParaRPr lang="en-GB" dirty="0" smtClean="0"/>
           </a:p>
           <a:p>
+            <a:r>
+              <a:rPr lang="en-GB" b="1" dirty="0"/>
+              <a:t>SRC</a:t>
+            </a:r>
+            <a:endParaRPr lang="en-GB" dirty="0"/>
+          </a:p>
+          <a:p>
             <a:pPr marL="0" indent="0">
               <a:buNone/>
             </a:pPr>
             <a:r>
-              <a:rPr lang="en-GB" b="1" dirty="0" smtClean="0"/>
-              <a:t> Global.scss / style.css</a:t>
-            </a:r>
-          </a:p>
-          <a:p>
-            <a:pPr marL="0" indent="0">
-              <a:buNone/>
-            </a:pPr>
-            <a:r>
               <a:rPr lang="en-US" dirty="0" smtClean="0"/>
-              <a:t>Styles that are available throughout the app.</a:t>
+              <a:t> All your project code goes here. </a:t>
             </a:r>
           </a:p>
           <a:p>
@@ -4462,14 +4459,18 @@
           <a:p>
             <a:r>
               <a:rPr lang="en-GB" b="1" dirty="0" smtClean="0"/>
-              <a:t>E2E (folder)</a:t>
+              <a:t>Assets</a:t>
             </a:r>
             <a:endParaRPr lang="en-GB" dirty="0"/>
           </a:p>
           <a:p>
             <a:r>
+              <a:rPr lang="en-GB" dirty="0"/>
+              <a:t>All public icons, images </a:t>
+            </a:r>
+            <a:r>
               <a:rPr lang="en-GB" dirty="0" smtClean="0"/>
-              <a:t>Contains files for End to End Testing. That is done using Protractor / Selenium. </a:t>
+              <a:t>go here.</a:t>
             </a:r>
             <a:endParaRPr lang="en-GB" dirty="0"/>
           </a:p>
@@ -4507,7 +4508,7 @@
     </p:spTree>
     <p:extLst>
       <p:ext uri="{BB962C8B-B14F-4D97-AF65-F5344CB8AC3E}">
-        <p14:creationId xmlns:p14="http://schemas.microsoft.com/office/powerpoint/2010/main" val="2005798782"/>
+        <p14:creationId xmlns:p14="http://schemas.microsoft.com/office/powerpoint/2010/main" val="1035113146"/>
       </p:ext>
     </p:extLst>
   </p:cSld>
@@ -4588,174 +4589,6 @@
           <a:p>
             <a:r>
               <a:rPr lang="en-GB" b="1" dirty="0"/>
-              <a:t>Environment folder</a:t>
-            </a:r>
-            <a:endParaRPr lang="en-GB" dirty="0"/>
-          </a:p>
-          <a:p>
-            <a:r>
-              <a:rPr lang="en-GB" dirty="0" smtClean="0"/>
-              <a:t>Multiple environment configurations for your angular app. </a:t>
-            </a:r>
-          </a:p>
-          <a:p>
-            <a:endParaRPr lang="en-GB" dirty="0" smtClean="0"/>
-          </a:p>
-          <a:p>
-            <a:r>
-              <a:rPr lang="en-GB" b="1" dirty="0"/>
-              <a:t>SRC</a:t>
-            </a:r>
-            <a:endParaRPr lang="en-GB" dirty="0"/>
-          </a:p>
-          <a:p>
-            <a:pPr marL="0" indent="0">
-              <a:buNone/>
-            </a:pPr>
-            <a:r>
-              <a:rPr lang="en-US" dirty="0" smtClean="0"/>
-              <a:t> All your project code goes here. </a:t>
-            </a:r>
-          </a:p>
-          <a:p>
-            <a:pPr marL="0" indent="0">
-              <a:buNone/>
-            </a:pPr>
-            <a:endParaRPr lang="en-GB" dirty="0"/>
-          </a:p>
-          <a:p>
-            <a:r>
-              <a:rPr lang="en-GB" b="1" dirty="0" smtClean="0"/>
-              <a:t>Assets</a:t>
-            </a:r>
-            <a:endParaRPr lang="en-GB" dirty="0"/>
-          </a:p>
-          <a:p>
-            <a:r>
-              <a:rPr lang="en-GB" dirty="0"/>
-              <a:t>All public icons, images </a:t>
-            </a:r>
-            <a:r>
-              <a:rPr lang="en-GB" dirty="0" smtClean="0"/>
-              <a:t>go here.</a:t>
-            </a:r>
-            <a:endParaRPr lang="en-GB" dirty="0"/>
-          </a:p>
-          <a:p>
-            <a:endParaRPr lang="en-GB" dirty="0"/>
-          </a:p>
-          <a:p>
-            <a:pPr marL="0" indent="0">
-              <a:buNone/>
-            </a:pPr>
-            <a:endParaRPr lang="en-GB" dirty="0"/>
-          </a:p>
-          <a:p>
-            <a:pPr>
-              <a:lnSpc>
-                <a:spcPct val="200000"/>
-              </a:lnSpc>
-              <a:buFont typeface="Wingdings" panose="05000000000000000000" pitchFamily="2" charset="2"/>
-              <a:buChar char="§"/>
-            </a:pPr>
-            <a:endParaRPr lang="en-GB" dirty="0" smtClean="0"/>
-          </a:p>
-          <a:p>
-            <a:pPr>
-              <a:lnSpc>
-                <a:spcPct val="200000"/>
-              </a:lnSpc>
-              <a:buFont typeface="Wingdings" panose="05000000000000000000" pitchFamily="2" charset="2"/>
-              <a:buChar char="§"/>
-            </a:pPr>
-            <a:endParaRPr lang="en-GB" dirty="0"/>
-          </a:p>
-        </p:txBody>
-      </p:sp>
-    </p:spTree>
-    <p:extLst>
-      <p:ext uri="{BB962C8B-B14F-4D97-AF65-F5344CB8AC3E}">
-        <p14:creationId xmlns:p14="http://schemas.microsoft.com/office/powerpoint/2010/main" val="1035113146"/>
-      </p:ext>
-    </p:extLst>
-  </p:cSld>
-  <p:clrMapOvr>
-    <a:masterClrMapping/>
-  </p:clrMapOvr>
-  <p:timing>
-    <p:tnLst>
-      <p:par>
-        <p:cTn id="1" dur="indefinite" restart="never" nodeType="tmRoot"/>
-      </p:par>
-    </p:tnLst>
-  </p:timing>
-</p:sld>
-</file>
-
-<file path=ppt/slides/slide12.xml><?xml version="1.0" encoding="utf-8"?>
-<p:sld xmlns:a="http://schemas.openxmlformats.org/drawingml/2006/main" xmlns:r="http://schemas.openxmlformats.org/officeDocument/2006/relationships" xmlns:p="http://schemas.openxmlformats.org/presentationml/2006/main">
-  <p:cSld>
-    <p:spTree>
-      <p:nvGrpSpPr>
-        <p:cNvPr id="1" name=""/>
-        <p:cNvGrpSpPr/>
-        <p:nvPr/>
-      </p:nvGrpSpPr>
-      <p:grpSpPr>
-        <a:xfrm>
-          <a:off x="0" y="0"/>
-          <a:ext cx="0" cy="0"/>
-          <a:chOff x="0" y="0"/>
-          <a:chExt cx="0" cy="0"/>
-        </a:xfrm>
-      </p:grpSpPr>
-      <p:sp>
-        <p:nvSpPr>
-          <p:cNvPr id="2" name="Title 1"/>
-          <p:cNvSpPr>
-            <a:spLocks noGrp="1"/>
-          </p:cNvSpPr>
-          <p:nvPr>
-            <p:ph type="title"/>
-          </p:nvPr>
-        </p:nvSpPr>
-        <p:spPr/>
-        <p:txBody>
-          <a:bodyPr/>
-          <a:lstStyle/>
-          <a:p>
-            <a:r>
-              <a:rPr lang="en-US" dirty="0" smtClean="0"/>
-              <a:t>Angular and Ionic Folder Structure		</a:t>
-            </a:r>
-            <a:endParaRPr lang="en-GB" dirty="0"/>
-          </a:p>
-        </p:txBody>
-      </p:sp>
-      <p:sp>
-        <p:nvSpPr>
-          <p:cNvPr id="3" name="Content Placeholder 2"/>
-          <p:cNvSpPr>
-            <a:spLocks noGrp="1"/>
-          </p:cNvSpPr>
-          <p:nvPr>
-            <p:ph idx="1"/>
-          </p:nvPr>
-        </p:nvSpPr>
-        <p:spPr>
-          <a:xfrm>
-            <a:off x="1097280" y="1845734"/>
-            <a:ext cx="10058400" cy="4417906"/>
-          </a:xfrm>
-        </p:spPr>
-        <p:txBody>
-          <a:bodyPr>
-            <a:noAutofit/>
-          </a:bodyPr>
-          <a:lstStyle/>
-          <a:p>
-            <a:r>
-              <a:rPr lang="en-GB" b="1" dirty="0"/>
               <a:t>App</a:t>
             </a:r>
             <a:endParaRPr lang="en-GB" dirty="0"/>
@@ -4881,7 +4714,7 @@
 </p:sld>
 </file>
 
-<file path=ppt/slides/slide13.xml><?xml version="1.0" encoding="utf-8"?>
+<file path=ppt/slides/slide12.xml><?xml version="1.0" encoding="utf-8"?>
 <p:sld xmlns:a="http://schemas.openxmlformats.org/drawingml/2006/main" xmlns:r="http://schemas.openxmlformats.org/officeDocument/2006/relationships" xmlns:p="http://schemas.openxmlformats.org/presentationml/2006/main">
   <p:cSld>
     <p:spTree>
@@ -5088,7 +4921,7 @@
 </p:sld>
 </file>
 
-<file path=ppt/slides/slide14.xml><?xml version="1.0" encoding="utf-8"?>
+<file path=ppt/slides/slide13.xml><?xml version="1.0" encoding="utf-8"?>
 <p:sld xmlns:a="http://schemas.openxmlformats.org/drawingml/2006/main" xmlns:r="http://schemas.openxmlformats.org/officeDocument/2006/relationships" xmlns:p="http://schemas.openxmlformats.org/presentationml/2006/main">
   <p:cSld>
     <p:spTree>
@@ -5325,7 +5158,7 @@
 </p:sld>
 </file>
 
-<file path=ppt/slides/slide15.xml><?xml version="1.0" encoding="utf-8"?>
+<file path=ppt/slides/slide14.xml><?xml version="1.0" encoding="utf-8"?>
 <p:sld xmlns:a="http://schemas.openxmlformats.org/drawingml/2006/main" xmlns:r="http://schemas.openxmlformats.org/officeDocument/2006/relationships" xmlns:p="http://schemas.openxmlformats.org/presentationml/2006/main">
   <p:cSld>
     <p:spTree>
@@ -5930,7 +5763,15 @@
             </a:pPr>
             <a:r>
               <a:rPr lang="en-US" dirty="0" smtClean="0"/>
-              <a:t> Lets dive into each and every file/folder. We don’t need to understand how every is working right now but only understand what it’s doing. </a:t>
+              <a:t> Lets dive into each and every file/folder. We don’t need to understand how </a:t>
+            </a:r>
+            <a:r>
+              <a:rPr lang="en-US" dirty="0" smtClean="0"/>
+              <a:t>everything </a:t>
+            </a:r>
+            <a:r>
+              <a:rPr lang="en-US" dirty="0" smtClean="0"/>
+              <a:t>is working right now but only understand what it’s doing. </a:t>
             </a:r>
           </a:p>
           <a:p>
@@ -6066,15 +5907,15 @@
             </a:pPr>
             <a:r>
               <a:rPr lang="en-US" dirty="0" smtClean="0"/>
-              <a:t> If you see a package.json file, there a few common things e.g name, version etc. However there’s also few important </a:t>
+              <a:t> If you see a package.json file, </a:t>
             </a:r>
             <a:r>
               <a:rPr lang="en-US" dirty="0" smtClean="0"/>
-              <a:t>properties which </a:t>
+              <a:t>there’s </a:t>
             </a:r>
             <a:r>
               <a:rPr lang="en-US" dirty="0" smtClean="0"/>
-              <a:t>you need to know. </a:t>
+              <a:t>also few important properties which you need to know. </a:t>
             </a:r>
           </a:p>
           <a:p>
@@ -6256,7 +6097,27 @@
             </a:r>
             <a:r>
               <a:rPr lang="en-GB" dirty="0"/>
-              <a:t>"scripts": { "build": "node app.js", "test": "standard" </a:t>
+              <a:t>"scripts": { </a:t>
+            </a:r>
+            <a:r>
+              <a:rPr lang="en-GB" dirty="0" smtClean="0"/>
+              <a:t>“</a:t>
+            </a:r>
+            <a:r>
+              <a:rPr lang="en-GB" dirty="0" smtClean="0"/>
+              <a:t>runmyapp</a:t>
+            </a:r>
+            <a:r>
+              <a:rPr lang="en-GB" dirty="0" smtClean="0"/>
+              <a:t>": </a:t>
+            </a:r>
+            <a:r>
+              <a:rPr lang="en-GB" dirty="0"/>
+              <a:t>"node app.js", </a:t>
+            </a:r>
+            <a:r>
+              <a:rPr lang="en-GB" dirty="0" smtClean="0"/>
+              <a:t>“build": “ng build --prod" </a:t>
             </a:r>
             <a:r>
               <a:rPr lang="en-GB" dirty="0" smtClean="0"/>
@@ -6281,11 +6142,19 @@
             </a:r>
             <a:r>
               <a:rPr lang="en-US" b="1" dirty="0" smtClean="0"/>
-              <a:t> npm run build </a:t>
+              <a:t> npm run </a:t>
+            </a:r>
+            <a:r>
+              <a:rPr lang="en-US" b="1" dirty="0" smtClean="0"/>
+              <a:t>runmyapp </a:t>
             </a:r>
             <a:r>
               <a:rPr lang="en-US" dirty="0" smtClean="0"/>
-              <a:t>inside the directory will actually run </a:t>
+              <a:t>inside </a:t>
+            </a:r>
+            <a:r>
+              <a:rPr lang="en-US" dirty="0" smtClean="0"/>
+              <a:t>the directory will actually run </a:t>
             </a:r>
             <a:r>
               <a:rPr lang="en-US" b="1" dirty="0" smtClean="0"/>
@@ -6330,11 +6199,7 @@
             </a:r>
             <a:r>
               <a:rPr lang="en-GB" dirty="0" smtClean="0"/>
-              <a:t>These </a:t>
-            </a:r>
-            <a:r>
-              <a:rPr lang="en-GB" dirty="0" smtClean="0"/>
-              <a:t>dependencies will install when running </a:t>
+              <a:t>These dependencies will install when running </a:t>
             </a:r>
             <a:r>
               <a:rPr lang="en-GB" b="1" dirty="0" smtClean="0"/>
@@ -6550,7 +6415,23 @@
           <a:p>
             <a:r>
               <a:rPr lang="en-GB" dirty="0" smtClean="0"/>
-              <a:t>folders won’t be uplaoded to github. Includes node_modules and environment files.</a:t>
+              <a:t>folders won’t be uplaoded to github</a:t>
+            </a:r>
+            <a:r>
+              <a:rPr lang="en-GB" dirty="0" smtClean="0"/>
+              <a:t>. Mostly </a:t>
+            </a:r>
+            <a:r>
+              <a:rPr lang="en-GB" dirty="0"/>
+              <a:t>i</a:t>
+            </a:r>
+            <a:r>
+              <a:rPr lang="en-GB" dirty="0" smtClean="0"/>
+              <a:t>ncludes </a:t>
+            </a:r>
+            <a:r>
+              <a:rPr lang="en-GB" dirty="0" smtClean="0"/>
+              <a:t>node_modules and environment files.</a:t>
             </a:r>
             <a:endParaRPr lang="en-GB" dirty="0"/>
           </a:p>
@@ -6664,102 +6545,60 @@
           </a:bodyPr>
           <a:lstStyle/>
           <a:p>
-            <a:pPr marL="0" indent="0">
-              <a:lnSpc>
-                <a:spcPct val="200000"/>
-              </a:lnSpc>
-              <a:buNone/>
-            </a:pPr>
             <a:r>
               <a:rPr lang="en-GB" b="1" dirty="0"/>
-              <a:t>Package.json</a:t>
+              <a:t>Ionic.config.json</a:t>
             </a:r>
             <a:endParaRPr lang="en-GB" dirty="0"/>
           </a:p>
           <a:p>
-            <a:pPr>
-              <a:lnSpc>
-                <a:spcPct val="200000"/>
-              </a:lnSpc>
-              <a:buFont typeface="Wingdings" panose="05000000000000000000" pitchFamily="2" charset="2"/>
-              <a:buChar char="§"/>
-            </a:pPr>
             <a:r>
               <a:rPr lang="en-GB" dirty="0"/>
-              <a:t>The </a:t>
-            </a:r>
+              <a:t>Configurations for </a:t>
+            </a:r>
+            <a:r>
+              <a:rPr lang="en-GB" dirty="0" smtClean="0"/>
+              <a:t>your ionic </a:t>
+            </a:r>
+            <a:r>
+              <a:rPr lang="en-GB" dirty="0"/>
+              <a:t>app. </a:t>
+            </a:r>
+            <a:endParaRPr lang="en-GB" dirty="0" smtClean="0"/>
+          </a:p>
+          <a:p>
+            <a:endParaRPr lang="en-GB" dirty="0" smtClean="0"/>
+          </a:p>
+          <a:p>
             <a:r>
               <a:rPr lang="en-GB" b="1" dirty="0"/>
-              <a:t>devDependencies</a:t>
-            </a:r>
+              <a:t>Karma.config</a:t>
+            </a:r>
+            <a:endParaRPr lang="en-GB" dirty="0"/>
+          </a:p>
+          <a:p>
+            <a:r>
+              <a:rPr lang="en-US" dirty="0" smtClean="0"/>
+              <a:t>Karma is a test runner for JavaScript. It is used alongside Jasmine/Mocha for Unit Testing. This file has configuration for Karma test runner.</a:t>
+            </a:r>
+          </a:p>
+          <a:p>
+            <a:endParaRPr lang="en-GB" dirty="0"/>
+          </a:p>
+          <a:p>
+            <a:r>
+              <a:rPr lang="en-GB" b="1" dirty="0"/>
+              <a:t>Angular.json</a:t>
+            </a:r>
+            <a:endParaRPr lang="en-GB" dirty="0"/>
+          </a:p>
+          <a:p>
             <a:r>
               <a:rPr lang="en-GB" dirty="0"/>
-              <a:t> property is usually used to define the dependencies the module needs to run in development.</a:t>
-            </a:r>
-          </a:p>
-          <a:p>
-            <a:pPr marL="0" indent="0">
-              <a:buNone/>
-            </a:pPr>
-            <a:r>
-              <a:rPr lang="en-GB" b="1" dirty="0" smtClean="0"/>
-              <a:t>Index.html</a:t>
-            </a:r>
-            <a:endParaRPr lang="en-GB" dirty="0"/>
-          </a:p>
-          <a:p>
-            <a:r>
-              <a:rPr lang="en-GB" dirty="0"/>
-              <a:t>Basically where your app </a:t>
-            </a:r>
-            <a:r>
-              <a:rPr lang="en-GB" dirty="0" smtClean="0"/>
-              <a:t>loads</a:t>
-            </a:r>
-            <a:endParaRPr lang="en-US" dirty="0"/>
-          </a:p>
-          <a:p>
-            <a:r>
-              <a:rPr lang="en-GB" b="1" dirty="0"/>
-              <a:t>.gitignore</a:t>
-            </a:r>
-            <a:endParaRPr lang="en-GB" dirty="0"/>
-          </a:p>
-          <a:p>
-            <a:r>
-              <a:rPr lang="en-GB" dirty="0" smtClean="0"/>
-              <a:t>Files/folders </a:t>
-            </a:r>
-            <a:r>
-              <a:rPr lang="en-GB" dirty="0"/>
-              <a:t>u dont need to be versioned controlled. Or </a:t>
-            </a:r>
-            <a:r>
-              <a:rPr lang="en-GB" dirty="0" smtClean="0"/>
-              <a:t>you dont want Git to track. These files / </a:t>
-            </a:r>
-          </a:p>
-          <a:p>
-            <a:r>
-              <a:rPr lang="en-GB" dirty="0" smtClean="0"/>
-              <a:t>folders won’t be </a:t>
-            </a:r>
-            <a:r>
-              <a:rPr lang="en-GB" dirty="0" smtClean="0"/>
-              <a:t>uploaded </a:t>
-            </a:r>
-            <a:r>
-              <a:rPr lang="en-GB" dirty="0" smtClean="0"/>
-              <a:t>to github. </a:t>
-            </a:r>
-            <a:r>
-              <a:rPr lang="en-GB" dirty="0" smtClean="0"/>
-              <a:t>Mostly includes </a:t>
-            </a:r>
-            <a:r>
-              <a:rPr lang="en-GB" dirty="0" smtClean="0"/>
-              <a:t>node_modules and environment files.</a:t>
-            </a:r>
+              <a:t>Configurations of our angular app. You can import your styles and JS files from here. In scripts and styles.</a:t>
+            </a:r>
+          </a:p>
+          <a:p>
             <a:endParaRPr lang="en-GB" dirty="0"/>
           </a:p>
           <a:p>
@@ -6793,7 +6632,7 @@
     </p:spTree>
     <p:extLst>
       <p:ext uri="{BB962C8B-B14F-4D97-AF65-F5344CB8AC3E}">
-        <p14:creationId xmlns:p14="http://schemas.microsoft.com/office/powerpoint/2010/main" val="4190430463"/>
+        <p14:creationId xmlns:p14="http://schemas.microsoft.com/office/powerpoint/2010/main" val="2903727358"/>
       </p:ext>
     </p:extLst>
   </p:cSld>
@@ -6873,57 +6712,57 @@
           <a:lstStyle/>
           <a:p>
             <a:r>
-              <a:rPr lang="en-GB" b="1" dirty="0"/>
-              <a:t>Ionic.config.json</a:t>
+              <a:rPr lang="en-GB" b="1" dirty="0" smtClean="0"/>
+              <a:t>Node_modules</a:t>
             </a:r>
             <a:endParaRPr lang="en-GB" dirty="0"/>
           </a:p>
           <a:p>
             <a:r>
-              <a:rPr lang="en-GB" dirty="0"/>
-              <a:t>Configurations for </a:t>
-            </a:r>
-            <a:r>
               <a:rPr lang="en-GB" dirty="0" smtClean="0"/>
-              <a:t>your ionic </a:t>
-            </a:r>
-            <a:r>
-              <a:rPr lang="en-GB" dirty="0"/>
-              <a:t>app. </a:t>
-            </a:r>
+              <a:t>Contains all the modules / packages your app needs to run. These packages are defined in package.json</a:t>
+            </a:r>
+          </a:p>
+          <a:p>
             <a:endParaRPr lang="en-GB" dirty="0" smtClean="0"/>
           </a:p>
           <a:p>
-            <a:endParaRPr lang="en-GB" dirty="0" smtClean="0"/>
-          </a:p>
-          <a:p>
-            <a:r>
-              <a:rPr lang="en-GB" b="1" dirty="0"/>
-              <a:t>Karma.config</a:t>
-            </a:r>
+            <a:pPr marL="0" indent="0">
+              <a:buNone/>
+            </a:pPr>
+            <a:r>
+              <a:rPr lang="en-GB" b="1" dirty="0" smtClean="0"/>
+              <a:t> Global.scss / style.css</a:t>
+            </a:r>
+          </a:p>
+          <a:p>
+            <a:pPr marL="0" indent="0">
+              <a:buNone/>
+            </a:pPr>
+            <a:r>
+              <a:rPr lang="en-US" dirty="0" smtClean="0"/>
+              <a:t>Styles that are available throughout the app.</a:t>
+            </a:r>
+          </a:p>
+          <a:p>
+            <a:pPr marL="0" indent="0">
+              <a:buNone/>
+            </a:pPr>
             <a:endParaRPr lang="en-GB" dirty="0"/>
           </a:p>
           <a:p>
             <a:r>
-              <a:rPr lang="en-US" dirty="0" smtClean="0"/>
-              <a:t>Karma is a test runner for JavaScript. It is used alongside Jasmine/Mocha for Unit Testing. This file has configuration for Karma test runner.</a:t>
-            </a:r>
-          </a:p>
-          <a:p>
+              <a:rPr lang="en-GB" b="1" dirty="0" smtClean="0"/>
+              <a:t>E2E (folder)</a:t>
+            </a:r>
             <a:endParaRPr lang="en-GB" dirty="0"/>
           </a:p>
           <a:p>
             <a:r>
-              <a:rPr lang="en-GB" b="1" dirty="0"/>
-              <a:t>Angular.json</a:t>
+              <a:rPr lang="en-GB" dirty="0" smtClean="0"/>
+              <a:t>Contains files for End to End Testing. That is done using Protractor / Selenium. </a:t>
             </a:r>
             <a:endParaRPr lang="en-GB" dirty="0"/>
-          </a:p>
-          <a:p>
-            <a:r>
-              <a:rPr lang="en-GB" dirty="0"/>
-              <a:t>Configurations of our angular app. You can import your styles and JS files from here. In scripts and styles.</a:t>
-            </a:r>
           </a:p>
           <a:p>
             <a:endParaRPr lang="en-GB" dirty="0"/>
@@ -6959,7 +6798,7 @@
     </p:spTree>
     <p:extLst>
       <p:ext uri="{BB962C8B-B14F-4D97-AF65-F5344CB8AC3E}">
-        <p14:creationId xmlns:p14="http://schemas.microsoft.com/office/powerpoint/2010/main" val="2903727358"/>
+        <p14:creationId xmlns:p14="http://schemas.microsoft.com/office/powerpoint/2010/main" val="2005798782"/>
       </p:ext>
     </p:extLst>
   </p:cSld>

--- a/lecture 4/Lecture 4 - Mobile Application Development.pptx
+++ b/lecture 4/Lecture 4 - Mobile Application Development.pptx
@@ -210,7 +210,7 @@
           <a:p>
             <a:fld id="{A3C2A6A4-4365-4DD8-8CB7-3A4F849F3EAA}" type="datetimeFigureOut">
               <a:rPr lang="en-GB" smtClean="0"/>
-              <a:t>17/09/2019</a:t>
+              <a:t>22/09/2019</a:t>
             </a:fld>
             <a:endParaRPr lang="en-GB"/>
           </a:p>
@@ -800,7 +800,7 @@
           <a:p>
             <a:fld id="{B5906FF8-4769-4691-A860-171D2AFB3E65}" type="datetimeFigureOut">
               <a:rPr lang="en-GB" smtClean="0"/>
-              <a:t>17/09/2019</a:t>
+              <a:t>22/09/2019</a:t>
             </a:fld>
             <a:endParaRPr lang="en-GB"/>
           </a:p>
@@ -1008,7 +1008,7 @@
           <a:p>
             <a:fld id="{B5906FF8-4769-4691-A860-171D2AFB3E65}" type="datetimeFigureOut">
               <a:rPr lang="en-GB" smtClean="0"/>
-              <a:t>17/09/2019</a:t>
+              <a:t>22/09/2019</a:t>
             </a:fld>
             <a:endParaRPr lang="en-GB"/>
           </a:p>
@@ -1264,7 +1264,7 @@
           <a:p>
             <a:fld id="{B5906FF8-4769-4691-A860-171D2AFB3E65}" type="datetimeFigureOut">
               <a:rPr lang="en-GB" smtClean="0"/>
-              <a:t>17/09/2019</a:t>
+              <a:t>22/09/2019</a:t>
             </a:fld>
             <a:endParaRPr lang="en-GB"/>
           </a:p>
@@ -1438,7 +1438,7 @@
           <a:p>
             <a:fld id="{B5906FF8-4769-4691-A860-171D2AFB3E65}" type="datetimeFigureOut">
               <a:rPr lang="en-GB" smtClean="0"/>
-              <a:t>17/09/2019</a:t>
+              <a:t>22/09/2019</a:t>
             </a:fld>
             <a:endParaRPr lang="en-GB"/>
           </a:p>
@@ -1781,7 +1781,7 @@
           <a:p>
             <a:fld id="{B5906FF8-4769-4691-A860-171D2AFB3E65}" type="datetimeFigureOut">
               <a:rPr lang="en-GB" smtClean="0"/>
-              <a:t>17/09/2019</a:t>
+              <a:t>22/09/2019</a:t>
             </a:fld>
             <a:endParaRPr lang="en-GB"/>
           </a:p>
@@ -2056,7 +2056,7 @@
           <a:p>
             <a:fld id="{B5906FF8-4769-4691-A860-171D2AFB3E65}" type="datetimeFigureOut">
               <a:rPr lang="en-GB" smtClean="0"/>
-              <a:t>17/09/2019</a:t>
+              <a:t>22/09/2019</a:t>
             </a:fld>
             <a:endParaRPr lang="en-GB"/>
           </a:p>
@@ -2435,7 +2435,7 @@
           <a:p>
             <a:fld id="{B5906FF8-4769-4691-A860-171D2AFB3E65}" type="datetimeFigureOut">
               <a:rPr lang="en-GB" smtClean="0"/>
-              <a:t>17/09/2019</a:t>
+              <a:t>22/09/2019</a:t>
             </a:fld>
             <a:endParaRPr lang="en-GB"/>
           </a:p>
@@ -2553,7 +2553,7 @@
           <a:p>
             <a:fld id="{B5906FF8-4769-4691-A860-171D2AFB3E65}" type="datetimeFigureOut">
               <a:rPr lang="en-GB" smtClean="0"/>
-              <a:t>17/09/2019</a:t>
+              <a:t>22/09/2019</a:t>
             </a:fld>
             <a:endParaRPr lang="en-GB"/>
           </a:p>
@@ -2724,7 +2724,7 @@
           <a:p>
             <a:fld id="{B5906FF8-4769-4691-A860-171D2AFB3E65}" type="datetimeFigureOut">
               <a:rPr lang="en-GB" smtClean="0"/>
-              <a:t>17/09/2019</a:t>
+              <a:t>22/09/2019</a:t>
             </a:fld>
             <a:endParaRPr lang="en-GB"/>
           </a:p>
@@ -3078,7 +3078,7 @@
           <a:p>
             <a:fld id="{B5906FF8-4769-4691-A860-171D2AFB3E65}" type="datetimeFigureOut">
               <a:rPr lang="en-GB" smtClean="0"/>
-              <a:t>17/09/2019</a:t>
+              <a:t>22/09/2019</a:t>
             </a:fld>
             <a:endParaRPr lang="en-GB"/>
           </a:p>
@@ -3460,7 +3460,7 @@
           <a:p>
             <a:fld id="{B5906FF8-4769-4691-A860-171D2AFB3E65}" type="datetimeFigureOut">
               <a:rPr lang="en-GB" smtClean="0"/>
-              <a:t>17/09/2019</a:t>
+              <a:t>22/09/2019</a:t>
             </a:fld>
             <a:endParaRPr lang="en-GB"/>
           </a:p>
@@ -3747,7 +3747,7 @@
           <a:p>
             <a:fld id="{B5906FF8-4769-4691-A860-171D2AFB3E65}" type="datetimeFigureOut">
               <a:rPr lang="en-GB" smtClean="0"/>
-              <a:t>17/09/2019</a:t>
+              <a:t>22/09/2019</a:t>
             </a:fld>
             <a:endParaRPr lang="en-GB"/>
           </a:p>
@@ -5091,7 +5091,11 @@
             </a:pPr>
             <a:r>
               <a:rPr lang="en-US" dirty="0" smtClean="0"/>
-              <a:t>For C#, we have Nuget, for Java we have Maven/Gradle. For JS, we have NPM</a:t>
+              <a:t> For </a:t>
+            </a:r>
+            <a:r>
+              <a:rPr lang="en-US" dirty="0" smtClean="0"/>
+              <a:t>C#, we have Nuget, for Java we have Maven/Gradle. For JS, we have NPM</a:t>
             </a:r>
           </a:p>
           <a:p>
@@ -5763,15 +5767,7 @@
             </a:pPr>
             <a:r>
               <a:rPr lang="en-US" dirty="0" smtClean="0"/>
-              <a:t> Lets dive into each and every file/folder. We don’t need to understand how </a:t>
-            </a:r>
-            <a:r>
-              <a:rPr lang="en-US" dirty="0" smtClean="0"/>
-              <a:t>everything </a:t>
-            </a:r>
-            <a:r>
-              <a:rPr lang="en-US" dirty="0" smtClean="0"/>
-              <a:t>is working right now but only understand what it’s doing. </a:t>
+              <a:t> Lets dive into each and every file/folder. We don’t need to understand how everything is working right now but only understand what it’s doing. </a:t>
             </a:r>
           </a:p>
           <a:p>
@@ -5907,15 +5903,15 @@
             </a:pPr>
             <a:r>
               <a:rPr lang="en-US" dirty="0" smtClean="0"/>
-              <a:t> If you see a package.json file, </a:t>
+              <a:t> If you see a package.json file, there’s </a:t>
             </a:r>
             <a:r>
               <a:rPr lang="en-US" dirty="0" smtClean="0"/>
-              <a:t>there’s </a:t>
+              <a:t>few </a:t>
             </a:r>
             <a:r>
               <a:rPr lang="en-US" dirty="0" smtClean="0"/>
-              <a:t>also few important properties which you need to know. </a:t>
+              <a:t>important properties which you need to know. </a:t>
             </a:r>
           </a:p>
           <a:p>
@@ -6101,15 +6097,7 @@
             </a:r>
             <a:r>
               <a:rPr lang="en-GB" dirty="0" smtClean="0"/>
-              <a:t>“</a:t>
-            </a:r>
-            <a:r>
-              <a:rPr lang="en-GB" dirty="0" smtClean="0"/>
-              <a:t>runmyapp</a:t>
-            </a:r>
-            <a:r>
-              <a:rPr lang="en-GB" dirty="0" smtClean="0"/>
-              <a:t>": </a:t>
+              <a:t>“runmyapp": </a:t>
             </a:r>
             <a:r>
               <a:rPr lang="en-GB" dirty="0"/>
@@ -6117,11 +6105,7 @@
             </a:r>
             <a:r>
               <a:rPr lang="en-GB" dirty="0" smtClean="0"/>
-              <a:t>“build": “ng build --prod" </a:t>
-            </a:r>
-            <a:r>
-              <a:rPr lang="en-GB" dirty="0" smtClean="0"/>
-              <a:t>}</a:t>
+              <a:t>“build": “ng build --prod" }</a:t>
             </a:r>
           </a:p>
           <a:p>
@@ -6142,19 +6126,11 @@
             </a:r>
             <a:r>
               <a:rPr lang="en-US" b="1" dirty="0" smtClean="0"/>
-              <a:t> npm run </a:t>
-            </a:r>
-            <a:r>
-              <a:rPr lang="en-US" b="1" dirty="0" smtClean="0"/>
-              <a:t>runmyapp </a:t>
+              <a:t> npm run runmyapp </a:t>
             </a:r>
             <a:r>
               <a:rPr lang="en-US" dirty="0" smtClean="0"/>
-              <a:t>inside </a:t>
-            </a:r>
-            <a:r>
-              <a:rPr lang="en-US" dirty="0" smtClean="0"/>
-              <a:t>the directory will actually run </a:t>
+              <a:t>inside the directory will actually run </a:t>
             </a:r>
             <a:r>
               <a:rPr lang="en-US" b="1" dirty="0" smtClean="0"/>
@@ -6415,11 +6391,7 @@
           <a:p>
             <a:r>
               <a:rPr lang="en-GB" dirty="0" smtClean="0"/>
-              <a:t>folders won’t be uplaoded to github</a:t>
-            </a:r>
-            <a:r>
-              <a:rPr lang="en-GB" dirty="0" smtClean="0"/>
-              <a:t>. Mostly </a:t>
+              <a:t>folders won’t be uplaoded to github. Mostly </a:t>
             </a:r>
             <a:r>
               <a:rPr lang="en-GB" dirty="0"/>
@@ -6427,11 +6399,7 @@
             </a:r>
             <a:r>
               <a:rPr lang="en-GB" dirty="0" smtClean="0"/>
-              <a:t>ncludes </a:t>
-            </a:r>
-            <a:r>
-              <a:rPr lang="en-GB" dirty="0" smtClean="0"/>
-              <a:t>node_modules and environment files.</a:t>
+              <a:t>ncludes node_modules and environment files.</a:t>
             </a:r>
             <a:endParaRPr lang="en-GB" dirty="0"/>
           </a:p>

--- a/lecture 4/Lecture 4 - Mobile Application Development.pptx
+++ b/lecture 4/Lecture 4 - Mobile Application Development.pptx
@@ -5,7 +5,7 @@
     <p:sldMasterId id="2147483677" r:id="rId1"/>
   </p:sldMasterIdLst>
   <p:notesMasterIdLst>
-    <p:notesMasterId r:id="rId16"/>
+    <p:notesMasterId r:id="rId18"/>
   </p:notesMasterIdLst>
   <p:sldIdLst>
     <p:sldId id="256" r:id="rId2"/>
@@ -22,6 +22,8 @@
     <p:sldId id="267" r:id="rId13"/>
     <p:sldId id="299" r:id="rId14"/>
     <p:sldId id="300" r:id="rId15"/>
+    <p:sldId id="301" r:id="rId16"/>
+    <p:sldId id="302" r:id="rId17"/>
   </p:sldIdLst>
   <p:sldSz cx="12192000" cy="6858000"/>
   <p:notesSz cx="6858000" cy="9144000"/>
@@ -210,7 +212,7 @@
           <a:p>
             <a:fld id="{A3C2A6A4-4365-4DD8-8CB7-3A4F849F3EAA}" type="datetimeFigureOut">
               <a:rPr lang="en-GB" smtClean="0"/>
-              <a:t>22/09/2019</a:t>
+              <a:t>25/09/2019</a:t>
             </a:fld>
             <a:endParaRPr lang="en-GB"/>
           </a:p>
@@ -800,7 +802,7 @@
           <a:p>
             <a:fld id="{B5906FF8-4769-4691-A860-171D2AFB3E65}" type="datetimeFigureOut">
               <a:rPr lang="en-GB" smtClean="0"/>
-              <a:t>22/09/2019</a:t>
+              <a:t>25/09/2019</a:t>
             </a:fld>
             <a:endParaRPr lang="en-GB"/>
           </a:p>
@@ -1008,7 +1010,7 @@
           <a:p>
             <a:fld id="{B5906FF8-4769-4691-A860-171D2AFB3E65}" type="datetimeFigureOut">
               <a:rPr lang="en-GB" smtClean="0"/>
-              <a:t>22/09/2019</a:t>
+              <a:t>25/09/2019</a:t>
             </a:fld>
             <a:endParaRPr lang="en-GB"/>
           </a:p>
@@ -1264,7 +1266,7 @@
           <a:p>
             <a:fld id="{B5906FF8-4769-4691-A860-171D2AFB3E65}" type="datetimeFigureOut">
               <a:rPr lang="en-GB" smtClean="0"/>
-              <a:t>22/09/2019</a:t>
+              <a:t>25/09/2019</a:t>
             </a:fld>
             <a:endParaRPr lang="en-GB"/>
           </a:p>
@@ -1438,7 +1440,7 @@
           <a:p>
             <a:fld id="{B5906FF8-4769-4691-A860-171D2AFB3E65}" type="datetimeFigureOut">
               <a:rPr lang="en-GB" smtClean="0"/>
-              <a:t>22/09/2019</a:t>
+              <a:t>25/09/2019</a:t>
             </a:fld>
             <a:endParaRPr lang="en-GB"/>
           </a:p>
@@ -1781,7 +1783,7 @@
           <a:p>
             <a:fld id="{B5906FF8-4769-4691-A860-171D2AFB3E65}" type="datetimeFigureOut">
               <a:rPr lang="en-GB" smtClean="0"/>
-              <a:t>22/09/2019</a:t>
+              <a:t>25/09/2019</a:t>
             </a:fld>
             <a:endParaRPr lang="en-GB"/>
           </a:p>
@@ -2056,7 +2058,7 @@
           <a:p>
             <a:fld id="{B5906FF8-4769-4691-A860-171D2AFB3E65}" type="datetimeFigureOut">
               <a:rPr lang="en-GB" smtClean="0"/>
-              <a:t>22/09/2019</a:t>
+              <a:t>25/09/2019</a:t>
             </a:fld>
             <a:endParaRPr lang="en-GB"/>
           </a:p>
@@ -2435,7 +2437,7 @@
           <a:p>
             <a:fld id="{B5906FF8-4769-4691-A860-171D2AFB3E65}" type="datetimeFigureOut">
               <a:rPr lang="en-GB" smtClean="0"/>
-              <a:t>22/09/2019</a:t>
+              <a:t>25/09/2019</a:t>
             </a:fld>
             <a:endParaRPr lang="en-GB"/>
           </a:p>
@@ -2553,7 +2555,7 @@
           <a:p>
             <a:fld id="{B5906FF8-4769-4691-A860-171D2AFB3E65}" type="datetimeFigureOut">
               <a:rPr lang="en-GB" smtClean="0"/>
-              <a:t>22/09/2019</a:t>
+              <a:t>25/09/2019</a:t>
             </a:fld>
             <a:endParaRPr lang="en-GB"/>
           </a:p>
@@ -2724,7 +2726,7 @@
           <a:p>
             <a:fld id="{B5906FF8-4769-4691-A860-171D2AFB3E65}" type="datetimeFigureOut">
               <a:rPr lang="en-GB" smtClean="0"/>
-              <a:t>22/09/2019</a:t>
+              <a:t>25/09/2019</a:t>
             </a:fld>
             <a:endParaRPr lang="en-GB"/>
           </a:p>
@@ -3078,7 +3080,7 @@
           <a:p>
             <a:fld id="{B5906FF8-4769-4691-A860-171D2AFB3E65}" type="datetimeFigureOut">
               <a:rPr lang="en-GB" smtClean="0"/>
-              <a:t>22/09/2019</a:t>
+              <a:t>25/09/2019</a:t>
             </a:fld>
             <a:endParaRPr lang="en-GB"/>
           </a:p>
@@ -3460,7 +3462,7 @@
           <a:p>
             <a:fld id="{B5906FF8-4769-4691-A860-171D2AFB3E65}" type="datetimeFigureOut">
               <a:rPr lang="en-GB" smtClean="0"/>
-              <a:t>22/09/2019</a:t>
+              <a:t>25/09/2019</a:t>
             </a:fld>
             <a:endParaRPr lang="en-GB"/>
           </a:p>
@@ -3747,7 +3749,7 @@
           <a:p>
             <a:fld id="{B5906FF8-4769-4691-A860-171D2AFB3E65}" type="datetimeFigureOut">
               <a:rPr lang="en-GB" smtClean="0"/>
-              <a:t>22/09/2019</a:t>
+              <a:t>25/09/2019</a:t>
             </a:fld>
             <a:endParaRPr lang="en-GB"/>
           </a:p>
@@ -5091,11 +5093,7 @@
             </a:pPr>
             <a:r>
               <a:rPr lang="en-US" dirty="0" smtClean="0"/>
-              <a:t> For </a:t>
-            </a:r>
-            <a:r>
-              <a:rPr lang="en-US" dirty="0" smtClean="0"/>
-              <a:t>C#, we have Nuget, for Java we have Maven/Gradle. For JS, we have NPM</a:t>
+              <a:t> For C#, we have Nuget, for Java we have Maven/Gradle. For JS, we have NPM</a:t>
             </a:r>
           </a:p>
           <a:p>
@@ -5381,6 +5379,374 @@
     <p:extLst>
       <p:ext uri="{BB962C8B-B14F-4D97-AF65-F5344CB8AC3E}">
         <p14:creationId xmlns:p14="http://schemas.microsoft.com/office/powerpoint/2010/main" val="1999403481"/>
+      </p:ext>
+    </p:extLst>
+  </p:cSld>
+  <p:clrMapOvr>
+    <a:masterClrMapping/>
+  </p:clrMapOvr>
+  <p:timing>
+    <p:tnLst>
+      <p:par>
+        <p:cTn id="1" dur="indefinite" restart="never" nodeType="tmRoot"/>
+      </p:par>
+    </p:tnLst>
+  </p:timing>
+</p:sld>
+</file>
+
+<file path=ppt/slides/slide15.xml><?xml version="1.0" encoding="utf-8"?>
+<p:sld xmlns:a="http://schemas.openxmlformats.org/drawingml/2006/main" xmlns:r="http://schemas.openxmlformats.org/officeDocument/2006/relationships" xmlns:p="http://schemas.openxmlformats.org/presentationml/2006/main">
+  <p:cSld>
+    <p:spTree>
+      <p:nvGrpSpPr>
+        <p:cNvPr id="1" name=""/>
+        <p:cNvGrpSpPr/>
+        <p:nvPr/>
+      </p:nvGrpSpPr>
+      <p:grpSpPr>
+        <a:xfrm>
+          <a:off x="0" y="0"/>
+          <a:ext cx="0" cy="0"/>
+          <a:chOff x="0" y="0"/>
+          <a:chExt cx="0" cy="0"/>
+        </a:xfrm>
+      </p:grpSpPr>
+      <p:sp>
+        <p:nvSpPr>
+          <p:cNvPr id="2" name="Title 1"/>
+          <p:cNvSpPr>
+            <a:spLocks noGrp="1"/>
+          </p:cNvSpPr>
+          <p:nvPr>
+            <p:ph type="title"/>
+          </p:nvPr>
+        </p:nvSpPr>
+        <p:spPr/>
+        <p:txBody>
+          <a:bodyPr/>
+          <a:lstStyle/>
+          <a:p>
+            <a:r>
+              <a:rPr lang="en-US" dirty="0" smtClean="0"/>
+              <a:t>Create new page/component in Ionic</a:t>
+            </a:r>
+            <a:endParaRPr lang="en-GB" dirty="0"/>
+          </a:p>
+        </p:txBody>
+      </p:sp>
+      <p:sp>
+        <p:nvSpPr>
+          <p:cNvPr id="3" name="Content Placeholder 2"/>
+          <p:cNvSpPr>
+            <a:spLocks noGrp="1"/>
+          </p:cNvSpPr>
+          <p:nvPr>
+            <p:ph idx="1"/>
+          </p:nvPr>
+        </p:nvSpPr>
+        <p:spPr>
+          <a:xfrm>
+            <a:off x="1097280" y="1845734"/>
+            <a:ext cx="10058400" cy="4417906"/>
+          </a:xfrm>
+        </p:spPr>
+        <p:txBody>
+          <a:bodyPr>
+            <a:noAutofit/>
+          </a:bodyPr>
+          <a:lstStyle/>
+          <a:p>
+            <a:pPr marL="0" indent="0">
+              <a:buNone/>
+            </a:pPr>
+            <a:endParaRPr lang="en-US" dirty="0" smtClean="0"/>
+          </a:p>
+          <a:p>
+            <a:pPr>
+              <a:buFont typeface="Wingdings" panose="05000000000000000000" pitchFamily="2" charset="2"/>
+              <a:buChar char="§"/>
+            </a:pPr>
+            <a:r>
+              <a:rPr lang="en-US" dirty="0" smtClean="0"/>
+              <a:t> Ionic Pages are just components/modules that show entire view. </a:t>
+            </a:r>
+            <a:endParaRPr lang="en-GB" dirty="0"/>
+          </a:p>
+          <a:p>
+            <a:pPr>
+              <a:lnSpc>
+                <a:spcPct val="200000"/>
+              </a:lnSpc>
+              <a:buFont typeface="Wingdings" panose="05000000000000000000" pitchFamily="2" charset="2"/>
+              <a:buChar char="§"/>
+            </a:pPr>
+            <a:endParaRPr lang="en-GB" dirty="0" smtClean="0"/>
+          </a:p>
+          <a:p>
+            <a:pPr>
+              <a:lnSpc>
+                <a:spcPct val="200000"/>
+              </a:lnSpc>
+              <a:buFont typeface="Wingdings" panose="05000000000000000000" pitchFamily="2" charset="2"/>
+              <a:buChar char="§"/>
+            </a:pPr>
+            <a:endParaRPr lang="en-GB" dirty="0"/>
+          </a:p>
+        </p:txBody>
+      </p:sp>
+      <p:pic>
+        <p:nvPicPr>
+          <p:cNvPr id="4" name="Picture 3"/>
+          <p:cNvPicPr>
+            <a:picLocks noChangeAspect="1"/>
+          </p:cNvPicPr>
+          <p:nvPr/>
+        </p:nvPicPr>
+        <p:blipFill>
+          <a:blip r:embed="rId2"/>
+          <a:stretch>
+            <a:fillRect/>
+          </a:stretch>
+        </p:blipFill>
+        <p:spPr>
+          <a:xfrm>
+            <a:off x="1097280" y="2919412"/>
+            <a:ext cx="1771650" cy="1019175"/>
+          </a:xfrm>
+          <a:prstGeom prst="rect">
+            <a:avLst/>
+          </a:prstGeom>
+        </p:spPr>
+      </p:pic>
+      <p:pic>
+        <p:nvPicPr>
+          <p:cNvPr id="5" name="Picture 4"/>
+          <p:cNvPicPr>
+            <a:picLocks noChangeAspect="1"/>
+          </p:cNvPicPr>
+          <p:nvPr/>
+        </p:nvPicPr>
+        <p:blipFill>
+          <a:blip r:embed="rId3"/>
+          <a:stretch>
+            <a:fillRect/>
+          </a:stretch>
+        </p:blipFill>
+        <p:spPr>
+          <a:xfrm>
+            <a:off x="3962971" y="2919412"/>
+            <a:ext cx="4924425" cy="3133725"/>
+          </a:xfrm>
+          <a:prstGeom prst="rect">
+            <a:avLst/>
+          </a:prstGeom>
+        </p:spPr>
+      </p:pic>
+    </p:spTree>
+    <p:extLst>
+      <p:ext uri="{BB962C8B-B14F-4D97-AF65-F5344CB8AC3E}">
+        <p14:creationId xmlns:p14="http://schemas.microsoft.com/office/powerpoint/2010/main" val="1601478464"/>
+      </p:ext>
+    </p:extLst>
+  </p:cSld>
+  <p:clrMapOvr>
+    <a:masterClrMapping/>
+  </p:clrMapOvr>
+  <p:timing>
+    <p:tnLst>
+      <p:par>
+        <p:cTn id="1" dur="indefinite" restart="never" nodeType="tmRoot"/>
+      </p:par>
+    </p:tnLst>
+  </p:timing>
+</p:sld>
+</file>
+
+<file path=ppt/slides/slide16.xml><?xml version="1.0" encoding="utf-8"?>
+<p:sld xmlns:a="http://schemas.openxmlformats.org/drawingml/2006/main" xmlns:r="http://schemas.openxmlformats.org/officeDocument/2006/relationships" xmlns:p="http://schemas.openxmlformats.org/presentationml/2006/main">
+  <p:cSld>
+    <p:spTree>
+      <p:nvGrpSpPr>
+        <p:cNvPr id="1" name=""/>
+        <p:cNvGrpSpPr/>
+        <p:nvPr/>
+      </p:nvGrpSpPr>
+      <p:grpSpPr>
+        <a:xfrm>
+          <a:off x="0" y="0"/>
+          <a:ext cx="0" cy="0"/>
+          <a:chOff x="0" y="0"/>
+          <a:chExt cx="0" cy="0"/>
+        </a:xfrm>
+      </p:grpSpPr>
+      <p:sp>
+        <p:nvSpPr>
+          <p:cNvPr id="2" name="Title 1"/>
+          <p:cNvSpPr>
+            <a:spLocks noGrp="1"/>
+          </p:cNvSpPr>
+          <p:nvPr>
+            <p:ph type="title"/>
+          </p:nvPr>
+        </p:nvSpPr>
+        <p:spPr/>
+        <p:txBody>
+          <a:bodyPr/>
+          <a:lstStyle/>
+          <a:p>
+            <a:r>
+              <a:rPr lang="en-US" dirty="0" smtClean="0"/>
+              <a:t>Create new page/component in Ionic</a:t>
+            </a:r>
+            <a:endParaRPr lang="en-GB" dirty="0"/>
+          </a:p>
+        </p:txBody>
+      </p:sp>
+      <p:sp>
+        <p:nvSpPr>
+          <p:cNvPr id="3" name="Content Placeholder 2"/>
+          <p:cNvSpPr>
+            <a:spLocks noGrp="1"/>
+          </p:cNvSpPr>
+          <p:nvPr>
+            <p:ph idx="1"/>
+          </p:nvPr>
+        </p:nvSpPr>
+        <p:spPr>
+          <a:xfrm>
+            <a:off x="1097280" y="1845734"/>
+            <a:ext cx="10058400" cy="4417906"/>
+          </a:xfrm>
+        </p:spPr>
+        <p:txBody>
+          <a:bodyPr>
+            <a:noAutofit/>
+          </a:bodyPr>
+          <a:lstStyle/>
+          <a:p>
+            <a:pPr marL="0" indent="0">
+              <a:buNone/>
+            </a:pPr>
+            <a:endParaRPr lang="en-US" dirty="0" smtClean="0"/>
+          </a:p>
+          <a:p>
+            <a:pPr>
+              <a:buFont typeface="Wingdings" panose="05000000000000000000" pitchFamily="2" charset="2"/>
+              <a:buChar char="§"/>
+            </a:pPr>
+            <a:r>
+              <a:rPr lang="en-US" dirty="0" smtClean="0"/>
+              <a:t> Ionic Pages are </a:t>
+            </a:r>
+            <a:r>
+              <a:rPr lang="en-US" smtClean="0"/>
+              <a:t>just components </a:t>
+            </a:r>
+            <a:r>
+              <a:rPr lang="en-US" dirty="0" smtClean="0"/>
+              <a:t>that show entire view. </a:t>
+            </a:r>
+            <a:endParaRPr lang="en-GB" dirty="0"/>
+          </a:p>
+          <a:p>
+            <a:pPr>
+              <a:lnSpc>
+                <a:spcPct val="200000"/>
+              </a:lnSpc>
+              <a:buFont typeface="Wingdings" panose="05000000000000000000" pitchFamily="2" charset="2"/>
+              <a:buChar char="§"/>
+            </a:pPr>
+            <a:endParaRPr lang="en-GB" dirty="0" smtClean="0"/>
+          </a:p>
+          <a:p>
+            <a:pPr>
+              <a:lnSpc>
+                <a:spcPct val="200000"/>
+              </a:lnSpc>
+              <a:buFont typeface="Wingdings" panose="05000000000000000000" pitchFamily="2" charset="2"/>
+              <a:buChar char="§"/>
+            </a:pPr>
+            <a:endParaRPr lang="en-GB" dirty="0"/>
+          </a:p>
+        </p:txBody>
+      </p:sp>
+      <p:pic>
+        <p:nvPicPr>
+          <p:cNvPr id="4" name="Picture 3"/>
+          <p:cNvPicPr>
+            <a:picLocks noChangeAspect="1"/>
+          </p:cNvPicPr>
+          <p:nvPr/>
+        </p:nvPicPr>
+        <p:blipFill>
+          <a:blip r:embed="rId2"/>
+          <a:stretch>
+            <a:fillRect/>
+          </a:stretch>
+        </p:blipFill>
+        <p:spPr>
+          <a:xfrm>
+            <a:off x="1097280" y="2919412"/>
+            <a:ext cx="1771650" cy="1019175"/>
+          </a:xfrm>
+          <a:prstGeom prst="rect">
+            <a:avLst/>
+          </a:prstGeom>
+        </p:spPr>
+      </p:pic>
+      <p:pic>
+        <p:nvPicPr>
+          <p:cNvPr id="5" name="Picture 4"/>
+          <p:cNvPicPr>
+            <a:picLocks noChangeAspect="1"/>
+          </p:cNvPicPr>
+          <p:nvPr/>
+        </p:nvPicPr>
+        <p:blipFill>
+          <a:blip r:embed="rId3"/>
+          <a:stretch>
+            <a:fillRect/>
+          </a:stretch>
+        </p:blipFill>
+        <p:spPr>
+          <a:xfrm>
+            <a:off x="3103435" y="2919412"/>
+            <a:ext cx="4102037" cy="3133725"/>
+          </a:xfrm>
+          <a:prstGeom prst="rect">
+            <a:avLst/>
+          </a:prstGeom>
+        </p:spPr>
+      </p:pic>
+      <p:pic>
+        <p:nvPicPr>
+          <p:cNvPr id="6" name="Picture 5"/>
+          <p:cNvPicPr>
+            <a:picLocks noChangeAspect="1"/>
+          </p:cNvPicPr>
+          <p:nvPr/>
+        </p:nvPicPr>
+        <p:blipFill>
+          <a:blip r:embed="rId4"/>
+          <a:stretch>
+            <a:fillRect/>
+          </a:stretch>
+        </p:blipFill>
+        <p:spPr>
+          <a:xfrm>
+            <a:off x="8027860" y="2919411"/>
+            <a:ext cx="4033076" cy="3133725"/>
+          </a:xfrm>
+          <a:prstGeom prst="rect">
+            <a:avLst/>
+          </a:prstGeom>
+        </p:spPr>
+      </p:pic>
+    </p:spTree>
+    <p:extLst>
+      <p:ext uri="{BB962C8B-B14F-4D97-AF65-F5344CB8AC3E}">
+        <p14:creationId xmlns:p14="http://schemas.microsoft.com/office/powerpoint/2010/main" val="1433722678"/>
       </p:ext>
     </p:extLst>
   </p:cSld>
@@ -5903,15 +6269,7 @@
             </a:pPr>
             <a:r>
               <a:rPr lang="en-US" dirty="0" smtClean="0"/>
-              <a:t> If you see a package.json file, there’s </a:t>
-            </a:r>
-            <a:r>
-              <a:rPr lang="en-US" dirty="0" smtClean="0"/>
-              <a:t>few </a:t>
-            </a:r>
-            <a:r>
-              <a:rPr lang="en-US" dirty="0" smtClean="0"/>
-              <a:t>important properties which you need to know. </a:t>
+              <a:t> If you see a package.json file, there’s few important properties which you need to know. </a:t>
             </a:r>
           </a:p>
           <a:p>
@@ -6391,7 +6749,15 @@
           <a:p>
             <a:r>
               <a:rPr lang="en-GB" dirty="0" smtClean="0"/>
-              <a:t>folders won’t be uplaoded to github. Mostly </a:t>
+              <a:t>folders won’t be </a:t>
+            </a:r>
+            <a:r>
+              <a:rPr lang="en-GB" dirty="0" smtClean="0"/>
+              <a:t>uploaded </a:t>
+            </a:r>
+            <a:r>
+              <a:rPr lang="en-GB" dirty="0" smtClean="0"/>
+              <a:t>to github. Mostly </a:t>
             </a:r>
             <a:r>
               <a:rPr lang="en-GB" dirty="0"/>
